--- a/03 Data_Processing/03b_Tidy-verse.pptx
+++ b/03 Data_Processing/03b_Tidy-verse.pptx
@@ -5119,7 +5119,7 @@
         </p:spPr>
         <p:txBody>
           <a:bodyPr>
-            <a:normAutofit fontScale="85000" lnSpcReduction="20000"/>
+            <a:normAutofit fontScale="70000" lnSpcReduction="20000"/>
           </a:bodyPr>
           <a:lstStyle>
             <a:lvl1pPr marL="365760" indent="-283464" algn="l" eaLnBrk="1" latinLnBrk="0" hangingPunct="1">
@@ -5267,6 +5267,72 @@
               </a:lnSpc>
             </a:pPr>
             <a:r>
+              <a:rPr lang="en" sz="2800" dirty="0">
+                <a:latin typeface="Avenir Medium"/>
+              </a:rPr>
+              <a:t>Chester </a:t>
+            </a:r>
+            <a:r>
+              <a:rPr lang="en" sz="2800" dirty="0" err="1">
+                <a:latin typeface="Avenir Medium"/>
+              </a:rPr>
+              <a:t>Ismay</a:t>
+            </a:r>
+            <a:r>
+              <a:rPr lang="en" sz="2800" dirty="0">
+                <a:latin typeface="Avenir Medium"/>
+              </a:rPr>
+              <a:t> and Albert Y. Kim - An Introduction to Statistical and Data Sciences via R (2018)</a:t>
+            </a:r>
+            <a:r>
+              <a:rPr lang="en-US" sz="2800" dirty="0">
+                <a:latin typeface="Avenir Medium"/>
+              </a:rPr>
+              <a:t> – section </a:t>
+            </a:r>
+            <a:r>
+              <a:rPr lang="en-US" sz="2800" i="1" dirty="0">
+                <a:latin typeface="Avenir Medium"/>
+              </a:rPr>
+              <a:t>5 Data Wrangling via </a:t>
+            </a:r>
+            <a:r>
+              <a:rPr lang="en-US" sz="2800" i="1" dirty="0" err="1">
+                <a:latin typeface="Avenir Medium"/>
+              </a:rPr>
+              <a:t>dplyr</a:t>
+            </a:r>
+            <a:endParaRPr lang="en-US" sz="2800" i="1" dirty="0">
+              <a:latin typeface="Avenir Medium"/>
+            </a:endParaRPr>
+          </a:p>
+          <a:p>
+            <a:pPr marL="82296" indent="0">
+              <a:lnSpc>
+                <a:spcPct val="110000"/>
+              </a:lnSpc>
+              <a:buNone/>
+            </a:pPr>
+            <a:r>
+              <a:rPr lang="en-US" sz="2800" dirty="0">
+                <a:latin typeface="Avenir Medium"/>
+                <a:cs typeface="Avenir Medium"/>
+                <a:hlinkClick r:id="rId2"/>
+              </a:rPr>
+              <a:t>https://moderndive.com/5-wrangling.html</a:t>
+            </a:r>
+            <a:endParaRPr lang="en-US" sz="2800" dirty="0">
+              <a:latin typeface="Avenir Medium"/>
+              <a:cs typeface="Avenir Medium"/>
+            </a:endParaRPr>
+          </a:p>
+          <a:p>
+            <a:pPr>
+              <a:lnSpc>
+                <a:spcPct val="110000"/>
+              </a:lnSpc>
+            </a:pPr>
+            <a:r>
               <a:rPr lang="en-US" sz="2900" dirty="0">
                 <a:latin typeface="Avenir Medium"/>
                 <a:cs typeface="Avenir Medium"/>
@@ -5285,7 +5351,7 @@
               <a:rPr lang="en-US" sz="2900" dirty="0">
                 <a:latin typeface="Avenir Medium"/>
                 <a:cs typeface="Avenir Medium"/>
-                <a:hlinkClick r:id="rId2"/>
+                <a:hlinkClick r:id="rId3"/>
               </a:rPr>
               <a:t>http://blog.rstudio.org/2014/01/17/introducing-dplyr/</a:t>
             </a:r>
@@ -5333,7 +5399,7 @@
               <a:rPr lang="en-US" sz="2900" dirty="0">
                 <a:latin typeface="Avenir Medium"/>
                 <a:cs typeface="Avenir Medium"/>
-                <a:hlinkClick r:id="rId3"/>
+                <a:hlinkClick r:id="rId4"/>
               </a:rPr>
               <a:t>https://www.datacamp.com/community/tutorials/tidyverse-tutorial-r</a:t>
             </a:r>
@@ -5349,7 +5415,7 @@
               </a:lnSpc>
             </a:pPr>
             <a:r>
-              <a:rPr lang="en-US" sz="2900">
+              <a:rPr lang="en-US" sz="2900" dirty="0" err="1">
                 <a:latin typeface="Avenir Medium"/>
                 <a:cs typeface="Avenir Medium"/>
               </a:rPr>
@@ -5388,7 +5454,7 @@
               <a:rPr lang="en-US" sz="2900" dirty="0">
                 <a:latin typeface="Avenir Medium"/>
                 <a:cs typeface="Avenir Medium"/>
-                <a:hlinkClick r:id="rId4"/>
+                <a:hlinkClick r:id="rId5"/>
               </a:rPr>
               <a:t>http://stat545.com/bit001_dplyr-cheatsheet.html</a:t>
             </a:r>
@@ -5422,7 +5488,7 @@
               <a:rPr lang="en-US" sz="2900" dirty="0">
                 <a:latin typeface="Avenir Medium"/>
                 <a:cs typeface="Avenir Medium"/>
-                <a:hlinkClick r:id="rId5"/>
+                <a:hlinkClick r:id="rId6"/>
               </a:rPr>
               <a:t>https://cran.r-project.org/web/packages/dplyr/vignettes/two-table.html</a:t>
             </a:r>
@@ -5470,7 +5536,7 @@
               <a:rPr lang="en-US" sz="2900" dirty="0">
                 <a:latin typeface="Avenir Medium"/>
                 <a:cs typeface="Avenir Medium"/>
-                <a:hlinkClick r:id="rId6"/>
+                <a:hlinkClick r:id="rId7"/>
               </a:rPr>
               <a:t>http://www.statsblogs.com/2014/02/10/how-dplyr-replaced-my-most-common-r-idioms/</a:t>
             </a:r>
@@ -7331,7 +7397,7 @@
         </p:spPr>
         <p:txBody>
           <a:bodyPr>
-            <a:normAutofit fontScale="85000" lnSpcReduction="20000"/>
+            <a:normAutofit fontScale="77500" lnSpcReduction="20000"/>
           </a:bodyPr>
           <a:lstStyle>
             <a:lvl1pPr marL="365760" indent="-283464" algn="l" eaLnBrk="1" latinLnBrk="0" hangingPunct="1">
@@ -7472,6 +7538,50 @@
             </a:lvl9pPr>
             <a:extLst/>
           </a:lstStyle>
+          <a:p>
+            <a:pPr>
+              <a:lnSpc>
+                <a:spcPct val="110000"/>
+              </a:lnSpc>
+            </a:pPr>
+            <a:r>
+              <a:rPr lang="en" sz="3100" dirty="0">
+                <a:latin typeface="Avenir Medium"/>
+                <a:hlinkClick r:id="rId2">
+                  <a:extLst>
+                    <a:ext uri="{A12FA001-AC4F-418D-AE19-62706E023703}">
+                      <ahyp:hlinkClr xmlns:ahyp="http://schemas.microsoft.com/office/drawing/2018/hyperlinkcolor" val="tx"/>
+                    </a:ext>
+                  </a:extLst>
+                </a:hlinkClick>
+              </a:rPr>
+              <a:t>gather and spread functions from tidyr</a:t>
+            </a:r>
+          </a:p>
+          <a:p>
+            <a:pPr marL="82296" indent="0">
+              <a:lnSpc>
+                <a:spcPct val="110000"/>
+              </a:lnSpc>
+              <a:buNone/>
+            </a:pPr>
+            <a:r>
+              <a:rPr lang="en-US" sz="2800">
+                <a:latin typeface="Avenir Medium"/>
+                <a:cs typeface="Avenir Medium"/>
+                <a:hlinkClick r:id="rId2"/>
+              </a:rPr>
+              <a:t>	https</a:t>
+            </a:r>
+            <a:r>
+              <a:rPr lang="en-US" sz="2800" dirty="0">
+                <a:latin typeface="Avenir Medium"/>
+                <a:cs typeface="Avenir Medium"/>
+                <a:hlinkClick r:id="rId2"/>
+              </a:rPr>
+              <a:t>://www.youtube.com/watch?v=DiflCZDncOE</a:t>
+            </a:r>
+          </a:p>
           <a:p>
             <a:pPr>
               <a:lnSpc>
